--- a/CPP(2~12)/09_클래스_심화.pptx
+++ b/CPP(2~12)/09_클래스_심화.pptx
@@ -208,7 +208,7 @@
           <a:p>
             <a:fld id="{2229C11E-4EF0-425E-89BA-56B170901842}" type="datetimeFigureOut">
               <a:rPr lang="ko-KR" altLang="en-US" smtClean="0"/>
-              <a:t>2023-09-12</a:t>
+              <a:t>2024-01-26</a:t>
             </a:fld>
             <a:endParaRPr lang="ko-KR" altLang="en-US"/>
           </a:p>
@@ -931,7 +931,7 @@
           <a:p>
             <a:fld id="{9C6F2426-F011-4048-96E6-328581C59A1B}" type="datetimeFigureOut">
               <a:rPr lang="ko-KR" altLang="en-US" smtClean="0"/>
-              <a:t>2023-09-12</a:t>
+              <a:t>2024-01-26</a:t>
             </a:fld>
             <a:endParaRPr lang="ko-KR" altLang="en-US"/>
           </a:p>
@@ -1129,7 +1129,7 @@
           <a:p>
             <a:fld id="{9C6F2426-F011-4048-96E6-328581C59A1B}" type="datetimeFigureOut">
               <a:rPr lang="ko-KR" altLang="en-US" smtClean="0"/>
-              <a:t>2023-09-12</a:t>
+              <a:t>2024-01-26</a:t>
             </a:fld>
             <a:endParaRPr lang="ko-KR" altLang="en-US"/>
           </a:p>
@@ -1337,7 +1337,7 @@
           <a:p>
             <a:fld id="{9C6F2426-F011-4048-96E6-328581C59A1B}" type="datetimeFigureOut">
               <a:rPr lang="ko-KR" altLang="en-US" smtClean="0"/>
-              <a:t>2023-09-12</a:t>
+              <a:t>2024-01-26</a:t>
             </a:fld>
             <a:endParaRPr lang="ko-KR" altLang="en-US"/>
           </a:p>
@@ -1535,7 +1535,7 @@
           <a:p>
             <a:fld id="{9C6F2426-F011-4048-96E6-328581C59A1B}" type="datetimeFigureOut">
               <a:rPr lang="ko-KR" altLang="en-US" smtClean="0"/>
-              <a:t>2023-09-12</a:t>
+              <a:t>2024-01-26</a:t>
             </a:fld>
             <a:endParaRPr lang="ko-KR" altLang="en-US"/>
           </a:p>
@@ -1810,7 +1810,7 @@
           <a:p>
             <a:fld id="{9C6F2426-F011-4048-96E6-328581C59A1B}" type="datetimeFigureOut">
               <a:rPr lang="ko-KR" altLang="en-US" smtClean="0"/>
-              <a:t>2023-09-12</a:t>
+              <a:t>2024-01-26</a:t>
             </a:fld>
             <a:endParaRPr lang="ko-KR" altLang="en-US"/>
           </a:p>
@@ -2075,7 +2075,7 @@
           <a:p>
             <a:fld id="{9C6F2426-F011-4048-96E6-328581C59A1B}" type="datetimeFigureOut">
               <a:rPr lang="ko-KR" altLang="en-US" smtClean="0"/>
-              <a:t>2023-09-12</a:t>
+              <a:t>2024-01-26</a:t>
             </a:fld>
             <a:endParaRPr lang="ko-KR" altLang="en-US"/>
           </a:p>
@@ -2487,7 +2487,7 @@
           <a:p>
             <a:fld id="{9C6F2426-F011-4048-96E6-328581C59A1B}" type="datetimeFigureOut">
               <a:rPr lang="ko-KR" altLang="en-US" smtClean="0"/>
-              <a:t>2023-09-12</a:t>
+              <a:t>2024-01-26</a:t>
             </a:fld>
             <a:endParaRPr lang="ko-KR" altLang="en-US"/>
           </a:p>
@@ -2628,7 +2628,7 @@
           <a:p>
             <a:fld id="{9C6F2426-F011-4048-96E6-328581C59A1B}" type="datetimeFigureOut">
               <a:rPr lang="ko-KR" altLang="en-US" smtClean="0"/>
-              <a:t>2023-09-12</a:t>
+              <a:t>2024-01-26</a:t>
             </a:fld>
             <a:endParaRPr lang="ko-KR" altLang="en-US"/>
           </a:p>
@@ -2741,7 +2741,7 @@
           <a:p>
             <a:fld id="{9C6F2426-F011-4048-96E6-328581C59A1B}" type="datetimeFigureOut">
               <a:rPr lang="ko-KR" altLang="en-US" smtClean="0"/>
-              <a:t>2023-09-12</a:t>
+              <a:t>2024-01-26</a:t>
             </a:fld>
             <a:endParaRPr lang="ko-KR" altLang="en-US"/>
           </a:p>
@@ -3052,7 +3052,7 @@
           <a:p>
             <a:fld id="{9C6F2426-F011-4048-96E6-328581C59A1B}" type="datetimeFigureOut">
               <a:rPr lang="ko-KR" altLang="en-US" smtClean="0"/>
-              <a:t>2023-09-12</a:t>
+              <a:t>2024-01-26</a:t>
             </a:fld>
             <a:endParaRPr lang="ko-KR" altLang="en-US"/>
           </a:p>
@@ -3340,7 +3340,7 @@
           <a:p>
             <a:fld id="{9C6F2426-F011-4048-96E6-328581C59A1B}" type="datetimeFigureOut">
               <a:rPr lang="ko-KR" altLang="en-US" smtClean="0"/>
-              <a:t>2023-09-12</a:t>
+              <a:t>2024-01-26</a:t>
             </a:fld>
             <a:endParaRPr lang="ko-KR" altLang="en-US"/>
           </a:p>
@@ -3581,7 +3581,7 @@
           <a:p>
             <a:fld id="{9C6F2426-F011-4048-96E6-328581C59A1B}" type="datetimeFigureOut">
               <a:rPr lang="ko-KR" altLang="en-US" smtClean="0"/>
-              <a:t>2023-09-12</a:t>
+              <a:t>2024-01-26</a:t>
             </a:fld>
             <a:endParaRPr lang="ko-KR" altLang="en-US"/>
           </a:p>
@@ -4086,7 +4086,7 @@
               <a:rPr lang="en-US" altLang="ko-KR" b="1">
                 <a:latin typeface="Arial Rounded MT Bold" panose="020F0704030504030204" pitchFamily="34" charset="0"/>
               </a:rPr>
-              <a:t>3</a:t>
+              <a:t>4</a:t>
             </a:r>
             <a:r>
               <a:rPr lang="ko-KR" altLang="en-US" b="1">
